--- a/1-PPT/6-Migration/6-Laravel Migration.pptx
+++ b/1-PPT/6-Migration/6-Laravel Migration.pptx
@@ -197,7 +197,7 @@
             <a:fld id="{EA38CB6D-63C9-464B-889E-D8FE438905A2}" type="datetimeFigureOut">
               <a:rPr lang="ar-EG" smtClean="0"/>
               <a:pPr/>
-              <a:t>12/05/1441</a:t>
+              <a:t>16/05/1441</a:t>
             </a:fld>
             <a:endParaRPr lang="ar-EG"/>
           </a:p>
@@ -645,7 +645,7 @@
             <a:fld id="{1D8BD707-D9CF-40AE-B4C6-C98DA3205C09}" type="datetimeFigureOut">
               <a:rPr lang="en-US" smtClean="0"/>
               <a:pPr/>
-              <a:t>1/7/2020</a:t>
+              <a:t>1/11/2020</a:t>
             </a:fld>
             <a:endParaRPr lang="en-US"/>
           </a:p>
@@ -812,7 +812,7 @@
             <a:fld id="{1D8BD707-D9CF-40AE-B4C6-C98DA3205C09}" type="datetimeFigureOut">
               <a:rPr lang="en-US" smtClean="0"/>
               <a:pPr/>
-              <a:t>1/7/2020</a:t>
+              <a:t>1/11/2020</a:t>
             </a:fld>
             <a:endParaRPr lang="en-US"/>
           </a:p>
@@ -989,7 +989,7 @@
             <a:fld id="{1D8BD707-D9CF-40AE-B4C6-C98DA3205C09}" type="datetimeFigureOut">
               <a:rPr lang="en-US" smtClean="0"/>
               <a:pPr/>
-              <a:t>1/7/2020</a:t>
+              <a:t>1/11/2020</a:t>
             </a:fld>
             <a:endParaRPr lang="en-US"/>
           </a:p>
@@ -1156,7 +1156,7 @@
             <a:fld id="{1D8BD707-D9CF-40AE-B4C6-C98DA3205C09}" type="datetimeFigureOut">
               <a:rPr lang="en-US" smtClean="0"/>
               <a:pPr/>
-              <a:t>1/7/2020</a:t>
+              <a:t>1/11/2020</a:t>
             </a:fld>
             <a:endParaRPr lang="en-US"/>
           </a:p>
@@ -1399,7 +1399,7 @@
             <a:fld id="{1D8BD707-D9CF-40AE-B4C6-C98DA3205C09}" type="datetimeFigureOut">
               <a:rPr lang="en-US" smtClean="0"/>
               <a:pPr/>
-              <a:t>1/7/2020</a:t>
+              <a:t>1/11/2020</a:t>
             </a:fld>
             <a:endParaRPr lang="en-US"/>
           </a:p>
@@ -1684,7 +1684,7 @@
             <a:fld id="{1D8BD707-D9CF-40AE-B4C6-C98DA3205C09}" type="datetimeFigureOut">
               <a:rPr lang="en-US" smtClean="0"/>
               <a:pPr/>
-              <a:t>1/7/2020</a:t>
+              <a:t>1/11/2020</a:t>
             </a:fld>
             <a:endParaRPr lang="en-US"/>
           </a:p>
@@ -2103,7 +2103,7 @@
             <a:fld id="{1D8BD707-D9CF-40AE-B4C6-C98DA3205C09}" type="datetimeFigureOut">
               <a:rPr lang="en-US" smtClean="0"/>
               <a:pPr/>
-              <a:t>1/7/2020</a:t>
+              <a:t>1/11/2020</a:t>
             </a:fld>
             <a:endParaRPr lang="en-US"/>
           </a:p>
@@ -2218,7 +2218,7 @@
             <a:fld id="{1D8BD707-D9CF-40AE-B4C6-C98DA3205C09}" type="datetimeFigureOut">
               <a:rPr lang="en-US" smtClean="0"/>
               <a:pPr/>
-              <a:t>1/7/2020</a:t>
+              <a:t>1/11/2020</a:t>
             </a:fld>
             <a:endParaRPr lang="en-US"/>
           </a:p>
@@ -2310,7 +2310,7 @@
             <a:fld id="{1D8BD707-D9CF-40AE-B4C6-C98DA3205C09}" type="datetimeFigureOut">
               <a:rPr lang="en-US" smtClean="0"/>
               <a:pPr/>
-              <a:t>1/7/2020</a:t>
+              <a:t>1/11/2020</a:t>
             </a:fld>
             <a:endParaRPr lang="en-US"/>
           </a:p>
@@ -2584,7 +2584,7 @@
             <a:fld id="{1D8BD707-D9CF-40AE-B4C6-C98DA3205C09}" type="datetimeFigureOut">
               <a:rPr lang="en-US" smtClean="0"/>
               <a:pPr/>
-              <a:t>1/7/2020</a:t>
+              <a:t>1/11/2020</a:t>
             </a:fld>
             <a:endParaRPr lang="en-US"/>
           </a:p>
@@ -2834,7 +2834,7 @@
             <a:fld id="{1D8BD707-D9CF-40AE-B4C6-C98DA3205C09}" type="datetimeFigureOut">
               <a:rPr lang="en-US" smtClean="0"/>
               <a:pPr/>
-              <a:t>1/7/2020</a:t>
+              <a:t>1/11/2020</a:t>
             </a:fld>
             <a:endParaRPr lang="en-US"/>
           </a:p>
@@ -3044,7 +3044,7 @@
             <a:fld id="{1D8BD707-D9CF-40AE-B4C6-C98DA3205C09}" type="datetimeFigureOut">
               <a:rPr lang="en-US" smtClean="0"/>
               <a:pPr/>
-              <a:t>1/7/2020</a:t>
+              <a:t>1/11/2020</a:t>
             </a:fld>
             <a:endParaRPr lang="en-US"/>
           </a:p>
@@ -3840,27 +3840,42 @@
           </a:bodyPr>
           <a:lstStyle/>
           <a:p>
+            <a:pPr>
+              <a:buNone/>
+            </a:pPr>
             <a:r>
               <a:rPr lang="en-US" b="1" dirty="0" smtClean="0"/>
               <a:t>Description:</a:t>
             </a:r>
           </a:p>
           <a:p>
+            <a:pPr>
+              <a:buNone/>
+            </a:pPr>
             <a:r>
               <a:rPr lang="en-US" b="1" dirty="0" smtClean="0"/>
               <a:t>  Create a new migration file</a:t>
             </a:r>
           </a:p>
           <a:p>
+            <a:pPr>
+              <a:buNone/>
+            </a:pPr>
             <a:endParaRPr lang="en-US" b="1" dirty="0" smtClean="0"/>
           </a:p>
           <a:p>
+            <a:pPr>
+              <a:buNone/>
+            </a:pPr>
             <a:r>
               <a:rPr lang="en-US" b="1" dirty="0" smtClean="0"/>
               <a:t>Usage:</a:t>
             </a:r>
           </a:p>
           <a:p>
+            <a:pPr>
+              <a:buNone/>
+            </a:pPr>
             <a:r>
               <a:rPr lang="en-US" b="1" dirty="0" smtClean="0"/>
               <a:t>  </a:t>
@@ -3875,39 +3890,63 @@
             </a:r>
           </a:p>
           <a:p>
+            <a:pPr>
+              <a:buNone/>
+            </a:pPr>
             <a:endParaRPr lang="en-US" b="1" dirty="0" smtClean="0"/>
           </a:p>
           <a:p>
+            <a:pPr>
+              <a:buNone/>
+            </a:pPr>
             <a:r>
               <a:rPr lang="en-US" b="1" dirty="0" smtClean="0"/>
               <a:t>Arguments:</a:t>
             </a:r>
           </a:p>
           <a:p>
+            <a:pPr>
+              <a:buNone/>
+            </a:pPr>
             <a:r>
               <a:rPr lang="en-US" b="1" dirty="0" smtClean="0"/>
               <a:t>  name                   The name of the migration</a:t>
             </a:r>
           </a:p>
           <a:p>
+            <a:pPr>
+              <a:buNone/>
+            </a:pPr>
             <a:endParaRPr lang="en-US" b="1" dirty="0" smtClean="0"/>
           </a:p>
           <a:p>
+            <a:pPr>
+              <a:buNone/>
+            </a:pPr>
             <a:r>
               <a:rPr lang="en-US" b="1" dirty="0" smtClean="0"/>
               <a:t>Options:</a:t>
             </a:r>
           </a:p>
           <a:p>
+            <a:pPr>
+              <a:buNone/>
+            </a:pPr>
             <a:r>
               <a:rPr lang="en-US" dirty="0" smtClean="0"/>
               <a:t>      --create[=CREATE]  The table to be created</a:t>
             </a:r>
           </a:p>
           <a:p>
+            <a:pPr>
+              <a:buNone/>
+            </a:pPr>
             <a:endParaRPr lang="en-US" dirty="0" smtClean="0"/>
           </a:p>
           <a:p>
+            <a:pPr>
+              <a:buNone/>
+            </a:pPr>
             <a:r>
               <a:rPr lang="en-US" sz="3400" b="1" dirty="0" smtClean="0">
                 <a:solidFill>
@@ -3923,6 +3962,9 @@
             </a:endParaRPr>
           </a:p>
           <a:p>
+            <a:pPr>
+              <a:buNone/>
+            </a:pPr>
             <a:r>
               <a:rPr lang="en-US" dirty="0" err="1" smtClean="0"/>
               <a:t>php</a:t>
@@ -3950,6 +3992,9 @@
             <a:endParaRPr lang="en-US" dirty="0" smtClean="0"/>
           </a:p>
           <a:p>
+            <a:pPr>
+              <a:buNone/>
+            </a:pPr>
             <a:r>
               <a:rPr lang="en-US" dirty="0" err="1" smtClean="0"/>
               <a:t>php</a:t>
@@ -3976,6 +4021,9 @@
             </a:r>
           </a:p>
           <a:p>
+            <a:pPr>
+              <a:buNone/>
+            </a:pPr>
             <a:r>
               <a:rPr lang="en-US" dirty="0" err="1" smtClean="0"/>
               <a:t>php</a:t>
@@ -4002,6 +4050,9 @@
             </a:r>
           </a:p>
           <a:p>
+            <a:pPr>
+              <a:buNone/>
+            </a:pPr>
             <a:r>
               <a:rPr lang="en-US" dirty="0" err="1" smtClean="0"/>
               <a:t>php</a:t>
@@ -4032,6 +4083,9 @@
             </a:r>
           </a:p>
           <a:p>
+            <a:pPr>
+              <a:buNone/>
+            </a:pPr>
             <a:r>
               <a:rPr lang="en-US" dirty="0" err="1" smtClean="0"/>
               <a:t>php</a:t>
@@ -4058,6 +4112,9 @@
             </a:r>
           </a:p>
           <a:p>
+            <a:pPr>
+              <a:buNone/>
+            </a:pPr>
             <a:r>
               <a:rPr lang="en-US" dirty="0" err="1" smtClean="0"/>
               <a:t>php</a:t>
@@ -4084,6 +4141,9 @@
             </a:r>
           </a:p>
           <a:p>
+            <a:pPr>
+              <a:buNone/>
+            </a:pPr>
             <a:r>
               <a:rPr lang="en-US" dirty="0" err="1" smtClean="0"/>
               <a:t>php</a:t>
@@ -4110,15 +4170,24 @@
             </a:r>
           </a:p>
           <a:p>
+            <a:pPr>
+              <a:buNone/>
+            </a:pPr>
             <a:endParaRPr lang="en-US" b="1" dirty="0" smtClean="0"/>
           </a:p>
           <a:p>
+            <a:pPr>
+              <a:buNone/>
+            </a:pPr>
             <a:r>
               <a:rPr lang="en-US" b="1" dirty="0" smtClean="0"/>
               <a:t>EX suggestion</a:t>
             </a:r>
           </a:p>
           <a:p>
+            <a:pPr>
+              <a:buNone/>
+            </a:pPr>
             <a:r>
               <a:rPr lang="en-US" dirty="0" err="1" smtClean="0"/>
               <a:t>php</a:t>
@@ -4145,9 +4214,42 @@
             </a:r>
           </a:p>
           <a:p>
+            <a:pPr>
+              <a:buNone/>
+            </a:pPr>
             <a:endParaRPr lang="en-US" dirty="0" smtClean="0"/>
           </a:p>
           <a:p>
+            <a:pPr>
+              <a:buNone/>
+            </a:pPr>
+            <a:r>
+              <a:rPr lang="en-US" dirty="0" err="1" smtClean="0"/>
+              <a:t>php</a:t>
+            </a:r>
+            <a:r>
+              <a:rPr lang="en-US" dirty="0" smtClean="0"/>
+              <a:t> artisan</a:t>
+            </a:r>
+            <a:r>
+              <a:rPr lang="en-US" b="1" dirty="0" smtClean="0"/>
+              <a:t>   </a:t>
+            </a:r>
+            <a:r>
+              <a:rPr lang="en-US" dirty="0" smtClean="0"/>
+              <a:t>migrate --seed</a:t>
+            </a:r>
+          </a:p>
+          <a:p>
+            <a:pPr>
+              <a:buNone/>
+            </a:pPr>
+            <a:endParaRPr lang="en-US" dirty="0" smtClean="0"/>
+          </a:p>
+          <a:p>
+            <a:pPr>
+              <a:buNone/>
+            </a:pPr>
             <a:endParaRPr lang="en-US" b="1" dirty="0" smtClean="0"/>
           </a:p>
           <a:p>
